--- a/文檔/Anthophila基本.pptx
+++ b/文檔/Anthophila基本.pptx
@@ -17,6 +17,7 @@
     <p:sldId id="266" r:id="rId11"/>
     <p:sldId id="267" r:id="rId12"/>
     <p:sldId id="268" r:id="rId13"/>
+    <p:sldId id="269" r:id="rId14"/>
   </p:sldIdLst>
   <p:sldSz cx="9144000" cy="6858000" type="screen4x3"/>
   <p:notesSz cx="6858000" cy="9144000"/>
@@ -776,7 +777,7 @@
           <a:p>
             <a:fld id="{809491AD-DA45-43ED-B470-E7E1F6C54308}" type="datetimeFigureOut">
               <a:rPr lang="zh-TW" altLang="en-US" smtClean="0"/>
-              <a:t>2019/7/14</a:t>
+              <a:t>2019/7/16</a:t>
             </a:fld>
             <a:endParaRPr lang="zh-TW" altLang="en-US"/>
           </a:p>
@@ -959,7 +960,7 @@
           <a:p>
             <a:fld id="{809491AD-DA45-43ED-B470-E7E1F6C54308}" type="datetimeFigureOut">
               <a:rPr lang="zh-TW" altLang="en-US" smtClean="0"/>
-              <a:t>2019/7/14</a:t>
+              <a:t>2019/7/16</a:t>
             </a:fld>
             <a:endParaRPr lang="zh-TW" altLang="en-US"/>
           </a:p>
@@ -1134,7 +1135,7 @@
           <a:p>
             <a:fld id="{809491AD-DA45-43ED-B470-E7E1F6C54308}" type="datetimeFigureOut">
               <a:rPr lang="zh-TW" altLang="en-US" smtClean="0"/>
-              <a:t>2019/7/14</a:t>
+              <a:t>2019/7/16</a:t>
             </a:fld>
             <a:endParaRPr lang="zh-TW" altLang="en-US"/>
           </a:p>
@@ -1299,7 +1300,7 @@
           <a:p>
             <a:fld id="{809491AD-DA45-43ED-B470-E7E1F6C54308}" type="datetimeFigureOut">
               <a:rPr lang="zh-TW" altLang="en-US" smtClean="0"/>
-              <a:t>2019/7/14</a:t>
+              <a:t>2019/7/16</a:t>
             </a:fld>
             <a:endParaRPr lang="zh-TW" altLang="en-US"/>
           </a:p>
@@ -1520,7 +1521,7 @@
           <a:p>
             <a:fld id="{809491AD-DA45-43ED-B470-E7E1F6C54308}" type="datetimeFigureOut">
               <a:rPr lang="zh-TW" altLang="en-US" smtClean="0"/>
-              <a:t>2019/7/14</a:t>
+              <a:t>2019/7/16</a:t>
             </a:fld>
             <a:endParaRPr lang="zh-TW" altLang="en-US"/>
           </a:p>
@@ -1779,7 +1780,7 @@
           <a:p>
             <a:fld id="{809491AD-DA45-43ED-B470-E7E1F6C54308}" type="datetimeFigureOut">
               <a:rPr lang="zh-TW" altLang="en-US" smtClean="0"/>
-              <a:t>2019/7/14</a:t>
+              <a:t>2019/7/16</a:t>
             </a:fld>
             <a:endParaRPr lang="zh-TW" altLang="en-US"/>
           </a:p>
@@ -2183,7 +2184,7 @@
           <a:p>
             <a:fld id="{809491AD-DA45-43ED-B470-E7E1F6C54308}" type="datetimeFigureOut">
               <a:rPr lang="zh-TW" altLang="en-US" smtClean="0"/>
-              <a:t>2019/7/14</a:t>
+              <a:t>2019/7/16</a:t>
             </a:fld>
             <a:endParaRPr lang="zh-TW" altLang="en-US"/>
           </a:p>
@@ -2314,7 +2315,7 @@
           <a:p>
             <a:fld id="{809491AD-DA45-43ED-B470-E7E1F6C54308}" type="datetimeFigureOut">
               <a:rPr lang="zh-TW" altLang="en-US" smtClean="0"/>
-              <a:t>2019/7/14</a:t>
+              <a:t>2019/7/16</a:t>
             </a:fld>
             <a:endParaRPr lang="zh-TW" altLang="en-US"/>
           </a:p>
@@ -2414,7 +2415,7 @@
           <a:p>
             <a:fld id="{809491AD-DA45-43ED-B470-E7E1F6C54308}" type="datetimeFigureOut">
               <a:rPr lang="zh-TW" altLang="en-US" smtClean="0"/>
-              <a:t>2019/7/14</a:t>
+              <a:t>2019/7/16</a:t>
             </a:fld>
             <a:endParaRPr lang="zh-TW" altLang="en-US"/>
           </a:p>
@@ -2659,7 +2660,7 @@
           <a:p>
             <a:fld id="{809491AD-DA45-43ED-B470-E7E1F6C54308}" type="datetimeFigureOut">
               <a:rPr lang="zh-TW" altLang="en-US" smtClean="0"/>
-              <a:t>2019/7/14</a:t>
+              <a:t>2019/7/16</a:t>
             </a:fld>
             <a:endParaRPr lang="zh-TW" altLang="en-US"/>
           </a:p>
@@ -2903,7 +2904,7 @@
           <a:p>
             <a:fld id="{809491AD-DA45-43ED-B470-E7E1F6C54308}" type="datetimeFigureOut">
               <a:rPr lang="zh-TW" altLang="en-US" smtClean="0"/>
-              <a:t>2019/7/14</a:t>
+              <a:t>2019/7/16</a:t>
             </a:fld>
             <a:endParaRPr lang="zh-TW" altLang="en-US"/>
           </a:p>
@@ -3727,7 +3728,7 @@
           <a:p>
             <a:fld id="{809491AD-DA45-43ED-B470-E7E1F6C54308}" type="datetimeFigureOut">
               <a:rPr lang="zh-TW" altLang="en-US" smtClean="0"/>
-              <a:t>2019/7/14</a:t>
+              <a:t>2019/7/16</a:t>
             </a:fld>
             <a:endParaRPr lang="zh-TW" altLang="en-US"/>
           </a:p>
@@ -4210,15 +4211,7 @@
           <a:p>
             <a:r>
               <a:rPr lang="en-US" altLang="zh-TW" dirty="0" smtClean="0"/>
-              <a:t>4.1 </a:t>
-            </a:r>
-            <a:r>
-              <a:rPr lang="en-US" altLang="zh-TW" dirty="0" smtClean="0"/>
-              <a:t>Web</a:t>
-            </a:r>
-            <a:r>
-              <a:rPr lang="en-US" altLang="zh-TW" dirty="0" smtClean="0"/>
-              <a:t> </a:t>
+              <a:t>4.1 Web </a:t>
             </a:r>
             <a:r>
               <a:rPr lang="zh-TW" altLang="en-US" dirty="0" smtClean="0"/>
@@ -4311,7 +4304,6 @@
               <a:rPr lang="en-US" altLang="zh-TW" sz="1800" dirty="0" smtClean="0"/>
               <a:t>/jpg…)</a:t>
             </a:r>
-            <a:endParaRPr lang="en-US" altLang="zh-TW" sz="1800" dirty="0" smtClean="0"/>
           </a:p>
           <a:p>
             <a:pPr marL="624078" indent="-514350">
@@ -4567,15 +4559,7 @@
           <a:p>
             <a:r>
               <a:rPr lang="en-US" altLang="zh-TW" dirty="0" smtClean="0"/>
-              <a:t>4.2 </a:t>
-            </a:r>
-            <a:r>
-              <a:rPr lang="en-US" altLang="zh-TW" dirty="0" smtClean="0"/>
-              <a:t>Controller</a:t>
-            </a:r>
-            <a:r>
-              <a:rPr lang="en-US" altLang="zh-TW" dirty="0" smtClean="0"/>
-              <a:t> </a:t>
+              <a:t>4.2 Controller </a:t>
             </a:r>
             <a:r>
               <a:rPr lang="zh-TW" altLang="en-US" dirty="0" smtClean="0"/>
@@ -4611,8 +4595,8 @@
               <a:t>接收到</a:t>
             </a:r>
             <a:r>
-              <a:rPr lang="en-US" altLang="zh-TW" sz="1800" dirty="0" err="1" smtClean="0"/>
-              <a:t>srping</a:t>
+              <a:rPr lang="en-US" altLang="zh-TW" sz="1800" dirty="0" smtClean="0"/>
+              <a:t>spring</a:t>
             </a:r>
             <a:r>
               <a:rPr lang="zh-TW" altLang="en-US" sz="1800" dirty="0" smtClean="0"/>
@@ -4685,11 +4669,7 @@
             </a:r>
             <a:r>
               <a:rPr lang="zh-TW" altLang="en-US" sz="1800" dirty="0" smtClean="0"/>
-              <a:t>頁</a:t>
-            </a:r>
-            <a:r>
-              <a:rPr lang="zh-TW" altLang="en-US" sz="1800" dirty="0" smtClean="0"/>
-              <a:t>面傳進來的全部導到同個</a:t>
+              <a:t>頁面傳進來的全部導到同個</a:t>
             </a:r>
             <a:r>
               <a:rPr lang="en-US" altLang="zh-TW" sz="1800" dirty="0" smtClean="0"/>
@@ -4697,35 +4677,27 @@
             </a:r>
             <a:r>
               <a:rPr lang="zh-TW" altLang="en-US" sz="1800" dirty="0" smtClean="0"/>
-              <a:t>內進行</a:t>
-            </a:r>
-            <a:r>
-              <a:rPr lang="zh-TW" altLang="en-US" sz="1800" smtClean="0"/>
-              <a:t>判斷在進</a:t>
-            </a:r>
-            <a:endParaRPr lang="en-US" altLang="zh-TW" sz="1800" smtClean="0"/>
+              <a:t>內進行判斷在進</a:t>
+            </a:r>
+            <a:endParaRPr lang="en-US" altLang="zh-TW" sz="1800" dirty="0" smtClean="0"/>
           </a:p>
           <a:p>
             <a:pPr marL="624078" indent="-514350">
               <a:buNone/>
             </a:pPr>
             <a:r>
-              <a:rPr lang="zh-TW" altLang="en-US" sz="1800" smtClean="0"/>
-              <a:t>行</a:t>
-            </a:r>
-            <a:r>
-              <a:rPr lang="zh-TW" altLang="en-US" sz="1800" dirty="0" smtClean="0"/>
-              <a:t>導向</a:t>
-            </a:r>
-            <a:r>
-              <a:rPr lang="en-US" altLang="zh-TW" sz="1800" err="1" smtClean="0"/>
+              <a:rPr lang="zh-TW" altLang="en-US" sz="1800" dirty="0" smtClean="0"/>
+              <a:t>行導向</a:t>
+            </a:r>
+            <a:r>
+              <a:rPr lang="en-US" altLang="zh-TW" sz="1800" dirty="0" err="1" smtClean="0"/>
               <a:t>jsp</a:t>
             </a:r>
             <a:r>
-              <a:rPr lang="zh-TW" altLang="en-US" sz="1800" smtClean="0"/>
+              <a:rPr lang="zh-TW" altLang="en-US" sz="1800" dirty="0" smtClean="0"/>
               <a:t>邏輯</a:t>
             </a:r>
-            <a:endParaRPr lang="en-US" altLang="zh-TW" sz="1800" smtClean="0"/>
+            <a:endParaRPr lang="en-US" altLang="zh-TW" sz="1800" dirty="0" smtClean="0"/>
           </a:p>
           <a:p>
             <a:pPr marL="624078" indent="-514350">
@@ -4778,19 +4750,28 @@
               <a:buAutoNum type="arabicPeriod"/>
             </a:pPr>
             <a:r>
-              <a:rPr lang="en-US" altLang="zh-TW" sz="1800" smtClean="0"/>
+              <a:rPr lang="en-US" altLang="zh-TW" sz="1800" dirty="0" smtClean="0"/>
               <a:t>/</a:t>
             </a:r>
             <a:r>
-              <a:rPr lang="en-US" altLang="zh-TW" sz="1800" smtClean="0"/>
-              <a:t>accountLogin/setxxxx</a:t>
-            </a:r>
+              <a:rPr lang="en-US" altLang="zh-TW" sz="1800" dirty="0" err="1" smtClean="0"/>
+              <a:t>accountLogin</a:t>
+            </a:r>
+            <a:r>
+              <a:rPr lang="en-US" altLang="zh-TW" sz="1800" dirty="0" smtClean="0"/>
+              <a:t>/</a:t>
+            </a:r>
+            <a:r>
+              <a:rPr lang="en-US" altLang="zh-TW" sz="1800" dirty="0" err="1" smtClean="0"/>
+              <a:t>setxxxx</a:t>
+            </a:r>
+            <a:endParaRPr lang="en-US" altLang="zh-TW" sz="1800" dirty="0" smtClean="0"/>
           </a:p>
           <a:p>
             <a:pPr marL="624078" indent="-514350">
               <a:buNone/>
             </a:pPr>
-            <a:endParaRPr lang="en-US" altLang="zh-TW" sz="1800" smtClean="0"/>
+            <a:endParaRPr lang="en-US" altLang="zh-TW" sz="1800" dirty="0" smtClean="0"/>
           </a:p>
           <a:p>
             <a:pPr marL="624078" indent="-514350">
@@ -4889,15 +4870,7 @@
           <a:p>
             <a:r>
               <a:rPr lang="en-US" altLang="zh-TW" dirty="0" smtClean="0"/>
-              <a:t>4.2 </a:t>
-            </a:r>
-            <a:r>
-              <a:rPr lang="en-US" altLang="zh-TW" dirty="0" smtClean="0"/>
-              <a:t>Controller</a:t>
-            </a:r>
-            <a:r>
-              <a:rPr lang="en-US" altLang="zh-TW" dirty="0" smtClean="0"/>
-              <a:t> </a:t>
+              <a:t>4.2 Controller </a:t>
             </a:r>
             <a:r>
               <a:rPr lang="zh-TW" altLang="en-US" dirty="0" smtClean="0"/>
@@ -4945,11 +4918,7 @@
             </a:r>
             <a:r>
               <a:rPr lang="en-US" altLang="zh-TW" sz="1800" dirty="0" smtClean="0"/>
-              <a:t>(value = </a:t>
-            </a:r>
-            <a:r>
-              <a:rPr lang="en-US" altLang="zh-TW" sz="1800" dirty="0" smtClean="0"/>
-              <a:t>“/{</a:t>
+              <a:t>(value = “/{</a:t>
             </a:r>
             <a:r>
               <a:rPr lang="en-US" altLang="zh-TW" sz="1800" dirty="0" err="1" smtClean="0"/>
@@ -4961,15 +4930,7 @@
             </a:r>
             <a:r>
               <a:rPr lang="en-US" altLang="zh-TW" sz="1800" dirty="0" smtClean="0"/>
-              <a:t>}”, </a:t>
-            </a:r>
-            <a:r>
-              <a:rPr lang="en-US" altLang="zh-TW" sz="1800" dirty="0" smtClean="0"/>
-              <a:t>method = </a:t>
-            </a:r>
-            <a:r>
-              <a:rPr lang="en-US" altLang="zh-TW" sz="1800" dirty="0" smtClean="0"/>
-              <a:t>{</a:t>
+              <a:t>}”, method = {</a:t>
             </a:r>
             <a:r>
               <a:rPr lang="zh-TW" altLang="en-US" sz="1800" dirty="0" smtClean="0"/>
@@ -5030,11 +4991,7 @@
             </a:r>
             <a:r>
               <a:rPr lang="en-US" altLang="zh-TW" sz="1800" dirty="0" smtClean="0"/>
-              <a:t> </a:t>
-            </a:r>
-            <a:r>
-              <a:rPr lang="en-US" altLang="zh-TW" sz="1800" dirty="0" smtClean="0"/>
-              <a:t>})</a:t>
+              <a:t> })</a:t>
             </a:r>
           </a:p>
           <a:p>
@@ -5065,11 +5022,7 @@
             </a:pPr>
             <a:r>
               <a:rPr lang="zh-TW" altLang="en-US" sz="1800" dirty="0" smtClean="0"/>
-              <a:t>詳細要上網</a:t>
-            </a:r>
-            <a:r>
-              <a:rPr lang="zh-TW" altLang="en-US" sz="1800" dirty="0" smtClean="0"/>
-              <a:t>查</a:t>
+              <a:t>詳細要上網查</a:t>
             </a:r>
             <a:endParaRPr lang="en-US" altLang="zh-TW" sz="1800" dirty="0" smtClean="0"/>
           </a:p>
@@ -5104,11 +5057,7 @@
             </a:pPr>
             <a:r>
               <a:rPr lang="zh-TW" altLang="en-US" sz="1800" dirty="0" smtClean="0"/>
-              <a:t>前端</a:t>
-            </a:r>
-            <a:r>
-              <a:rPr lang="zh-TW" altLang="en-US" sz="1800" dirty="0" smtClean="0"/>
-              <a:t>進行</a:t>
+              <a:t>前端進行</a:t>
             </a:r>
             <a:r>
               <a:rPr lang="en-US" altLang="zh-TW" sz="1800" dirty="0" smtClean="0"/>
@@ -5193,6 +5142,98 @@
 </p:sld>
 </file>
 
+<file path=ppt/slides/slide13.xml><?xml version="1.0" encoding="utf-8"?>
+<p:sld xmlns:a="http://schemas.openxmlformats.org/drawingml/2006/main" xmlns:r="http://schemas.openxmlformats.org/officeDocument/2006/relationships" xmlns:p="http://schemas.openxmlformats.org/presentationml/2006/main">
+  <p:cSld>
+    <p:spTree>
+      <p:nvGrpSpPr>
+        <p:cNvPr id="1" name=""/>
+        <p:cNvGrpSpPr/>
+        <p:nvPr/>
+      </p:nvGrpSpPr>
+      <p:grpSpPr>
+        <a:xfrm>
+          <a:off x="0" y="0"/>
+          <a:ext cx="0" cy="0"/>
+          <a:chOff x="0" y="0"/>
+          <a:chExt cx="0" cy="0"/>
+        </a:xfrm>
+      </p:grpSpPr>
+      <p:sp>
+        <p:nvSpPr>
+          <p:cNvPr id="2" name="標題 1"/>
+          <p:cNvSpPr>
+            <a:spLocks noGrp="1"/>
+          </p:cNvSpPr>
+          <p:nvPr>
+            <p:ph type="title"/>
+          </p:nvPr>
+        </p:nvSpPr>
+        <p:spPr/>
+        <p:txBody>
+          <a:bodyPr/>
+          <a:lstStyle/>
+          <a:p>
+            <a:r>
+              <a:rPr lang="en-US" altLang="zh-TW" dirty="0" smtClean="0"/>
+              <a:t>5.1 </a:t>
+            </a:r>
+            <a:r>
+              <a:rPr lang="zh-TW" altLang="en-US" dirty="0" smtClean="0"/>
+              <a:t>登入</a:t>
+            </a:r>
+            <a:r>
+              <a:rPr lang="zh-TW" altLang="en-US" smtClean="0"/>
+              <a:t>頁面暫時網址</a:t>
+            </a:r>
+            <a:endParaRPr lang="zh-TW" altLang="en-US" dirty="0"/>
+          </a:p>
+        </p:txBody>
+      </p:sp>
+      <p:sp>
+        <p:nvSpPr>
+          <p:cNvPr id="3" name="內容版面配置區 2"/>
+          <p:cNvSpPr>
+            <a:spLocks noGrp="1"/>
+          </p:cNvSpPr>
+          <p:nvPr>
+            <p:ph idx="1"/>
+          </p:nvPr>
+        </p:nvSpPr>
+        <p:spPr/>
+        <p:txBody>
+          <a:bodyPr/>
+          <a:lstStyle/>
+          <a:p>
+            <a:r>
+              <a:rPr lang="en-US" altLang="zh-TW" dirty="0"/>
+              <a:t>localhost:8080/</a:t>
+            </a:r>
+            <a:r>
+              <a:rPr lang="en-US" altLang="zh-TW" dirty="0" err="1"/>
+              <a:t>Anthophila</a:t>
+            </a:r>
+            <a:r>
+              <a:rPr lang="en-US" altLang="zh-TW" dirty="0"/>
+              <a:t>-web/home</a:t>
+            </a:r>
+            <a:endParaRPr lang="zh-TW" altLang="en-US" dirty="0"/>
+          </a:p>
+        </p:txBody>
+      </p:sp>
+    </p:spTree>
+    <p:extLst>
+      <p:ext uri="{BB962C8B-B14F-4D97-AF65-F5344CB8AC3E}">
+        <p14:creationId xmlns:p14="http://schemas.microsoft.com/office/powerpoint/2010/main" val="1349997086"/>
+      </p:ext>
+    </p:extLst>
+  </p:cSld>
+  <p:clrMapOvr>
+    <a:masterClrMapping/>
+  </p:clrMapOvr>
+</p:sld>
+</file>
+
 <file path=ppt/slides/slide2.xml><?xml version="1.0" encoding="utf-8"?>
 <p:sld xmlns:a="http://schemas.openxmlformats.org/drawingml/2006/main" xmlns:r="http://schemas.openxmlformats.org/officeDocument/2006/relationships" xmlns:p="http://schemas.openxmlformats.org/presentationml/2006/main">
   <p:cSld>
@@ -5292,11 +5333,7 @@
             </a:r>
             <a:r>
               <a:rPr lang="en-US" altLang="zh-TW" sz="1200" dirty="0" smtClean="0"/>
-              <a:t>-domain </a:t>
-            </a:r>
-            <a:r>
-              <a:rPr lang="en-US" altLang="zh-TW" sz="1200" dirty="0" smtClean="0"/>
-              <a:t>:</a:t>
+              <a:t>-domain :</a:t>
             </a:r>
             <a:r>
               <a:rPr lang="zh-TW" altLang="en-US" sz="1200" dirty="0" smtClean="0"/>
@@ -5309,6 +5346,31 @@
             <a:endParaRPr lang="en-US" altLang="zh-TW" sz="1200" dirty="0" smtClean="0"/>
           </a:p>
           <a:p>
+            <a:pPr marL="109728" indent="0">
+              <a:buNone/>
+            </a:pPr>
+            <a:r>
+              <a:rPr lang="zh-TW" altLang="en-US" sz="1200" dirty="0" smtClean="0"/>
+              <a:t>      </a:t>
+            </a:r>
+            <a:r>
+              <a:rPr lang="en-US" altLang="zh-TW" sz="1200" dirty="0" smtClean="0"/>
+              <a:t>#</a:t>
+            </a:r>
+            <a:r>
+              <a:rPr lang="zh-TW" altLang="en-US" sz="1200" dirty="0"/>
+              <a:t>永</a:t>
+            </a:r>
+            <a:r>
+              <a:rPr lang="zh-TW" altLang="en-US" sz="1200" dirty="0" smtClean="0"/>
+              <a:t>續層存取、共同實作方法定義、商業邏輯</a:t>
+            </a:r>
+            <a:endParaRPr lang="en-US" altLang="zh-TW" sz="1200" dirty="0"/>
+          </a:p>
+          <a:p>
+            <a:pPr marL="109728" indent="0">
+              <a:buNone/>
+            </a:pPr>
             <a:endParaRPr lang="en-US" altLang="zh-TW" sz="1200" dirty="0" smtClean="0"/>
           </a:p>
           <a:p>
@@ -5322,11 +5384,7 @@
             </a:r>
             <a:r>
               <a:rPr lang="zh-TW" altLang="en-US" sz="1200" dirty="0" smtClean="0"/>
-              <a:t> </a:t>
-            </a:r>
-            <a:r>
-              <a:rPr lang="zh-TW" altLang="en-US" sz="1200" dirty="0" smtClean="0"/>
-              <a:t>存放部分</a:t>
+              <a:t> 存放部分</a:t>
             </a:r>
             <a:r>
               <a:rPr lang="en-US" altLang="zh-TW" sz="1200" dirty="0" smtClean="0"/>
@@ -5367,7 +5425,37 @@
             </a:r>
             <a:r>
               <a:rPr lang="zh-TW" altLang="en-US" sz="1200" dirty="0" smtClean="0"/>
-              <a:t>認知不完全</a:t>
+              <a:t>認知不</a:t>
+            </a:r>
+            <a:r>
+              <a:rPr lang="zh-TW" altLang="en-US" sz="1200" dirty="0" smtClean="0"/>
+              <a:t>完全</a:t>
+            </a:r>
+            <a:endParaRPr lang="en-US" altLang="zh-TW" sz="1200" dirty="0" smtClean="0"/>
+          </a:p>
+          <a:p>
+            <a:pPr>
+              <a:buNone/>
+            </a:pPr>
+            <a:r>
+              <a:rPr lang="en-US" altLang="zh-TW" sz="1200" dirty="0"/>
+              <a:t> </a:t>
+            </a:r>
+            <a:r>
+              <a:rPr lang="en-US" altLang="zh-TW" sz="1200" dirty="0" smtClean="0"/>
+              <a:t>    #</a:t>
+            </a:r>
+            <a:r>
+              <a:rPr lang="zh-TW" altLang="en-US" sz="1200" dirty="0" smtClean="0"/>
+              <a:t>環境參數定義以及</a:t>
+            </a:r>
+            <a:r>
+              <a:rPr lang="en-US" altLang="zh-TW" sz="1200" dirty="0" smtClean="0"/>
+              <a:t>properties</a:t>
+            </a:r>
+            <a:r>
+              <a:rPr lang="zh-TW" altLang="en-US" sz="1200" dirty="0" smtClean="0"/>
+              <a:t>定義</a:t>
             </a:r>
             <a:endParaRPr lang="en-US" altLang="zh-TW" sz="1200" dirty="0" smtClean="0"/>
           </a:p>
@@ -5388,11 +5476,7 @@
             </a:r>
             <a:r>
               <a:rPr lang="zh-TW" altLang="en-US" sz="1200" dirty="0" smtClean="0"/>
-              <a:t> </a:t>
-            </a:r>
-            <a:r>
-              <a:rPr lang="zh-TW" altLang="en-US" sz="1200" dirty="0" smtClean="0"/>
-              <a:t>存放修改</a:t>
+              <a:t> 存放修改</a:t>
             </a:r>
             <a:r>
               <a:rPr lang="en-US" altLang="zh-TW" sz="1200" dirty="0" smtClean="0"/>
@@ -5417,19 +5501,11 @@
             </a:r>
             <a:r>
               <a:rPr lang="en-US" altLang="zh-TW" sz="1200" dirty="0" smtClean="0"/>
-              <a:t>-selenium</a:t>
-            </a:r>
-            <a:r>
-              <a:rPr lang="en-US" altLang="zh-TW" sz="1200" dirty="0" smtClean="0"/>
-              <a:t> :</a:t>
+              <a:t>-selenium :</a:t>
             </a:r>
             <a:r>
               <a:rPr lang="zh-TW" altLang="en-US" sz="1200" dirty="0" smtClean="0"/>
-              <a:t> </a:t>
-            </a:r>
-            <a:r>
-              <a:rPr lang="zh-TW" altLang="en-US" sz="1200" dirty="0" smtClean="0"/>
-              <a:t>測試用資料夾</a:t>
+              <a:t> 測試用資料夾</a:t>
             </a:r>
             <a:r>
               <a:rPr lang="en-US" altLang="zh-TW" sz="1200" dirty="0" smtClean="0"/>
@@ -5458,7 +5534,7 @@
             </a:r>
             <a:r>
               <a:rPr lang="en-US" altLang="zh-TW" sz="1200" dirty="0" smtClean="0"/>
-              <a:t>#</a:t>
+              <a:t> #</a:t>
             </a:r>
             <a:r>
               <a:rPr lang="zh-TW" altLang="en-US" sz="1200" dirty="0" smtClean="0"/>
@@ -5470,11 +5546,7 @@
             </a:r>
             <a:r>
               <a:rPr lang="zh-TW" altLang="en-US" sz="1200" dirty="0" smtClean="0"/>
-              <a:t>認知</a:t>
-            </a:r>
-            <a:r>
-              <a:rPr lang="zh-TW" altLang="en-US" sz="1200" dirty="0" smtClean="0"/>
-              <a:t>不</a:t>
+              <a:t>認知不</a:t>
             </a:r>
             <a:r>
               <a:rPr lang="zh-TW" altLang="en-US" sz="1200" dirty="0" smtClean="0"/>
@@ -5486,6 +5558,28 @@
             <a:pPr>
               <a:buNone/>
             </a:pPr>
+            <a:r>
+              <a:rPr lang="en-US" altLang="zh-TW" sz="1200" dirty="0"/>
+              <a:t> </a:t>
+            </a:r>
+            <a:r>
+              <a:rPr lang="en-US" altLang="zh-TW" sz="1200" dirty="0" smtClean="0"/>
+              <a:t>    </a:t>
+            </a:r>
+            <a:r>
+              <a:rPr lang="en-US" altLang="zh-TW" sz="1200" dirty="0" smtClean="0"/>
+              <a:t>#</a:t>
+            </a:r>
+            <a:r>
+              <a:rPr lang="zh-TW" altLang="en-US" sz="1200" dirty="0" smtClean="0"/>
+              <a:t>可做自動化測試，模擬瀏覽行為</a:t>
+            </a:r>
+            <a:endParaRPr lang="en-US" altLang="zh-TW" sz="1200" dirty="0" smtClean="0"/>
+          </a:p>
+          <a:p>
+            <a:pPr>
+              <a:buNone/>
+            </a:pPr>
             <a:endParaRPr lang="en-US" altLang="zh-TW" sz="1200" dirty="0" smtClean="0"/>
           </a:p>
           <a:p>
@@ -5495,19 +5589,11 @@
             </a:r>
             <a:r>
               <a:rPr lang="en-US" altLang="zh-TW" sz="1200" dirty="0" smtClean="0"/>
-              <a:t>-web</a:t>
-            </a:r>
-            <a:r>
-              <a:rPr lang="en-US" altLang="zh-TW" sz="1200" dirty="0" smtClean="0"/>
-              <a:t> :</a:t>
+              <a:t>-web :</a:t>
             </a:r>
             <a:r>
               <a:rPr lang="zh-TW" altLang="en-US" sz="1200" dirty="0" smtClean="0"/>
-              <a:t> </a:t>
-            </a:r>
-            <a:r>
-              <a:rPr lang="zh-TW" altLang="en-US" sz="1200" dirty="0" smtClean="0"/>
-              <a:t>創建網頁</a:t>
+              <a:t> 創建網頁</a:t>
             </a:r>
             <a:r>
               <a:rPr lang="en-US" altLang="zh-TW" sz="1200" dirty="0" err="1" smtClean="0"/>
@@ -5531,7 +5617,33 @@
             </a:r>
             <a:r>
               <a:rPr lang="zh-TW" altLang="en-US" sz="1200" dirty="0" smtClean="0"/>
-              <a:t>接收後處理導向程序</a:t>
+              <a:t>接收後處理導向</a:t>
+            </a:r>
+            <a:r>
+              <a:rPr lang="zh-TW" altLang="en-US" sz="1200" dirty="0" smtClean="0"/>
+              <a:t>程序</a:t>
+            </a:r>
+            <a:endParaRPr lang="en-US" altLang="zh-TW" sz="1200" dirty="0" smtClean="0"/>
+          </a:p>
+          <a:p>
+            <a:pPr marL="109728" indent="0">
+              <a:buNone/>
+            </a:pPr>
+            <a:r>
+              <a:rPr lang="en-US" altLang="zh-TW" sz="1200" dirty="0" smtClean="0"/>
+              <a:t>     #</a:t>
+            </a:r>
+            <a:r>
+              <a:rPr lang="zh-TW" altLang="en-US" sz="1200" dirty="0" smtClean="0"/>
+              <a:t>網頁頁面渲染、</a:t>
+            </a:r>
+            <a:r>
+              <a:rPr lang="en-US" altLang="zh-TW" sz="1200" dirty="0" err="1" smtClean="0"/>
+              <a:t>url</a:t>
+            </a:r>
+            <a:r>
+              <a:rPr lang="zh-TW" altLang="en-US" sz="1200" dirty="0" smtClean="0"/>
+              <a:t>流程導向控制</a:t>
             </a:r>
             <a:endParaRPr lang="en-US" altLang="zh-TW" sz="1200" dirty="0" smtClean="0"/>
           </a:p>
@@ -5629,11 +5741,7 @@
           <a:p>
             <a:r>
               <a:rPr lang="en-US" altLang="zh-TW" dirty="0" smtClean="0"/>
-              <a:t>2.</a:t>
-            </a:r>
-            <a:r>
-              <a:rPr lang="en-US" altLang="zh-TW" dirty="0" smtClean="0"/>
-              <a:t> </a:t>
+              <a:t>2. </a:t>
             </a:r>
             <a:r>
               <a:rPr lang="en-US" altLang="zh-TW" dirty="0" err="1" smtClean="0"/>
@@ -5737,11 +5845,7 @@
             </a:r>
             <a:r>
               <a:rPr lang="zh-TW" altLang="en-US" sz="1800" dirty="0" smtClean="0"/>
-              <a:t>用</a:t>
-            </a:r>
-            <a:r>
-              <a:rPr lang="zh-TW" altLang="en-US" sz="1800" dirty="0" smtClean="0"/>
-              <a:t>的</a:t>
+              <a:t>用的</a:t>
             </a:r>
             <a:r>
               <a:rPr lang="en-US" altLang="zh-TW" sz="1800" dirty="0" smtClean="0"/>
@@ -5895,11 +5999,7 @@
             </a:r>
             <a:r>
               <a:rPr lang="en-US" altLang="zh-TW" dirty="0" smtClean="0"/>
-              <a:t>Model</a:t>
-            </a:r>
-            <a:r>
-              <a:rPr lang="en-US" altLang="zh-TW" dirty="0" smtClean="0"/>
-              <a:t> </a:t>
+              <a:t>Model </a:t>
             </a:r>
             <a:r>
               <a:rPr lang="zh-TW" altLang="en-US" dirty="0" smtClean="0"/>
@@ -6083,7 +6183,11 @@
             </a:r>
             <a:r>
               <a:rPr lang="zh-TW" altLang="en-US" sz="1800" b="1" dirty="0" smtClean="0"/>
-              <a:t>長試次數</a:t>
+              <a:t>嘗試</a:t>
+            </a:r>
+            <a:r>
+              <a:rPr lang="zh-TW" altLang="en-US" sz="1800" b="1" dirty="0" smtClean="0"/>
+              <a:t>次數</a:t>
             </a:r>
             <a:r>
               <a:rPr lang="en-US" altLang="zh-TW" sz="1800" b="1" dirty="0" smtClean="0"/>
@@ -6094,11 +6198,7 @@
           <a:p>
             <a:r>
               <a:rPr lang="en-US" altLang="zh-TW" sz="1800" b="1" dirty="0" smtClean="0"/>
-              <a:t>private </a:t>
-            </a:r>
-            <a:r>
-              <a:rPr lang="en-US" altLang="zh-TW" sz="1800" b="1" dirty="0" smtClean="0"/>
-              <a:t>String </a:t>
+              <a:t>private String </a:t>
             </a:r>
             <a:r>
               <a:rPr lang="en-US" altLang="zh-TW" sz="1800" b="1" dirty="0" err="1" smtClean="0"/>
@@ -6252,11 +6352,7 @@
             </a:r>
             <a:r>
               <a:rPr lang="en-US" altLang="zh-TW" dirty="0" smtClean="0"/>
-              <a:t>Repository</a:t>
-            </a:r>
-            <a:r>
-              <a:rPr lang="en-US" altLang="zh-TW" dirty="0" smtClean="0"/>
-              <a:t> </a:t>
+              <a:t>Repository </a:t>
             </a:r>
             <a:r>
               <a:rPr lang="zh-TW" altLang="en-US" dirty="0" smtClean="0"/>
@@ -6355,7 +6451,6 @@
               <a:rPr lang="en-US" altLang="zh-TW" sz="1800" dirty="0" smtClean="0"/>
               <a:t>repository</a:t>
             </a:r>
-            <a:endParaRPr lang="en-US" altLang="zh-TW" sz="1800" dirty="0" smtClean="0"/>
           </a:p>
           <a:p>
             <a:r>
@@ -6383,11 +6478,7 @@
           <a:p>
             <a:r>
               <a:rPr lang="en-US" altLang="zh-TW" sz="1800" dirty="0" smtClean="0"/>
-              <a:t>Employee find</a:t>
-            </a:r>
-            <a:r>
-              <a:rPr lang="en-US" altLang="zh-TW" sz="1800" dirty="0" smtClean="0"/>
-              <a:t>();</a:t>
+              <a:t>Employee find();</a:t>
             </a:r>
           </a:p>
           <a:p>
@@ -6580,11 +6671,7 @@
             </a:r>
             <a:r>
               <a:rPr lang="en-US" altLang="zh-TW" dirty="0" smtClean="0"/>
-              <a:t>Service</a:t>
-            </a:r>
-            <a:r>
-              <a:rPr lang="en-US" altLang="zh-TW" dirty="0" smtClean="0"/>
-              <a:t> </a:t>
+              <a:t>Service </a:t>
             </a:r>
             <a:r>
               <a:rPr lang="zh-TW" altLang="en-US" dirty="0" smtClean="0"/>
@@ -6711,11 +6798,7 @@
             </a:r>
             <a:r>
               <a:rPr lang="en-US" altLang="zh-TW" sz="1800" dirty="0" smtClean="0"/>
-              <a:t> </a:t>
-            </a:r>
-            <a:r>
-              <a:rPr lang="en-US" altLang="zh-TW" sz="1800" dirty="0" smtClean="0"/>
-              <a:t>{</a:t>
+              <a:t> {</a:t>
             </a:r>
             <a:endParaRPr lang="zh-TW" altLang="en-US" sz="1800" dirty="0" smtClean="0"/>
           </a:p>
@@ -6725,11 +6808,7 @@
             </a:pPr>
             <a:r>
               <a:rPr lang="en-US" altLang="zh-TW" sz="1800" dirty="0" smtClean="0"/>
-              <a:t>	</a:t>
-            </a:r>
-            <a:r>
-              <a:rPr lang="en-US" altLang="zh-TW" sz="1800" dirty="0" smtClean="0"/>
-              <a:t>Employee </a:t>
+              <a:t>	Employee </a:t>
             </a:r>
             <a:r>
               <a:rPr lang="en-US" altLang="zh-TW" sz="1800" dirty="0" err="1" smtClean="0"/>
@@ -6797,11 +6876,7 @@
             </a:pPr>
             <a:r>
               <a:rPr lang="en-US" altLang="zh-TW" sz="1800" dirty="0" smtClean="0"/>
-              <a:t>@</a:t>
-            </a:r>
-            <a:r>
-              <a:rPr lang="en-US" altLang="zh-TW" sz="1800" dirty="0" smtClean="0"/>
-              <a:t>Override</a:t>
+              <a:t>@Override</a:t>
             </a:r>
           </a:p>
           <a:p>
@@ -6862,7 +6937,6 @@
               <a:rPr lang="en-US" altLang="zh-TW" sz="1800" dirty="0" smtClean="0"/>
               <a:t>}</a:t>
             </a:r>
-            <a:endParaRPr lang="en-US" altLang="zh-TW" sz="1800" dirty="0" smtClean="0"/>
           </a:p>
           <a:p>
             <a:pPr>
@@ -6945,11 +7019,7 @@
             </a:r>
             <a:r>
               <a:rPr lang="en-US" altLang="zh-TW" dirty="0" smtClean="0"/>
-              <a:t>Resources</a:t>
-            </a:r>
-            <a:r>
-              <a:rPr lang="en-US" altLang="zh-TW" dirty="0" smtClean="0"/>
-              <a:t> </a:t>
+              <a:t>Resources </a:t>
             </a:r>
             <a:r>
               <a:rPr lang="zh-TW" altLang="en-US" dirty="0" smtClean="0"/>
@@ -7002,15 +7072,7 @@
             </a:r>
             <a:r>
               <a:rPr lang="en-US" altLang="zh-TW" sz="1800" dirty="0" smtClean="0"/>
-              <a:t>Repository.</a:t>
-            </a:r>
-            <a:r>
-              <a:rPr lang="en-US" altLang="zh-TW" sz="1800" dirty="0" smtClean="0"/>
-              <a:t> </a:t>
-            </a:r>
-            <a:r>
-              <a:rPr lang="en-US" altLang="zh-TW" sz="1800" dirty="0" smtClean="0"/>
-              <a:t>xml</a:t>
+              <a:t>Repository. xml</a:t>
             </a:r>
             <a:r>
               <a:rPr lang="zh-TW" altLang="en-US" sz="1800" dirty="0" smtClean="0"/>
@@ -7027,11 +7089,7 @@
             </a:pPr>
             <a:r>
               <a:rPr lang="en-US" altLang="zh-TW" sz="1800" dirty="0" smtClean="0"/>
-              <a:t>Repository. </a:t>
-            </a:r>
-            <a:r>
-              <a:rPr lang="en-US" altLang="zh-TW" sz="1800" dirty="0" smtClean="0"/>
-              <a:t>Xml</a:t>
+              <a:t>Repository. Xml</a:t>
             </a:r>
             <a:r>
               <a:rPr lang="zh-TW" altLang="en-US" sz="1800" dirty="0" smtClean="0"/>
@@ -7093,15 +7151,7 @@
             </a:pPr>
             <a:r>
               <a:rPr lang="en-US" altLang="zh-TW" sz="1800" dirty="0" smtClean="0"/>
-              <a:t>&lt;</a:t>
-            </a:r>
-            <a:r>
-              <a:rPr lang="en-US" altLang="zh-TW" sz="1800" dirty="0" smtClean="0"/>
-              <a:t> select </a:t>
-            </a:r>
-            <a:r>
-              <a:rPr lang="en-US" altLang="zh-TW" sz="1800" dirty="0" smtClean="0"/>
-              <a:t>&gt;</a:t>
+              <a:t>&lt; select &gt;</a:t>
             </a:r>
             <a:r>
               <a:rPr lang="zh-TW" altLang="en-US" sz="1800" dirty="0" smtClean="0"/>
@@ -7283,11 +7333,7 @@
           <a:p>
             <a:r>
               <a:rPr lang="en-US" altLang="zh-TW" dirty="0" smtClean="0"/>
-              <a:t>3</a:t>
-            </a:r>
-            <a:r>
-              <a:rPr lang="en-US" altLang="zh-TW" dirty="0" smtClean="0"/>
-              <a:t>. </a:t>
+              <a:t>3. </a:t>
             </a:r>
             <a:r>
               <a:rPr lang="en-US" altLang="zh-TW" dirty="0" err="1" smtClean="0"/>
@@ -7346,7 +7392,6 @@
               <a:rPr lang="en-US" altLang="zh-TW" sz="1800" dirty="0" smtClean="0"/>
               <a:t>)</a:t>
             </a:r>
-            <a:endParaRPr lang="en-US" altLang="zh-TW" sz="1800" dirty="0" smtClean="0"/>
           </a:p>
           <a:p>
             <a:pPr marL="624078" indent="-514350">
@@ -7404,11 +7449,7 @@
             </a:pPr>
             <a:r>
               <a:rPr lang="en-US" altLang="zh-TW" sz="1800" dirty="0" smtClean="0"/>
-              <a:t>	</a:t>
-            </a:r>
-            <a:r>
-              <a:rPr lang="en-US" altLang="zh-TW" sz="1800" dirty="0" smtClean="0"/>
-              <a:t>#</a:t>
+              <a:t>	#</a:t>
             </a:r>
             <a:r>
               <a:rPr lang="zh-TW" altLang="en-US" sz="1800" dirty="0" smtClean="0"/>
@@ -7544,11 +7585,7 @@
             </a:r>
             <a:r>
               <a:rPr lang="en-US" altLang="zh-TW" dirty="0" smtClean="0"/>
-              <a:t>-web</a:t>
-            </a:r>
-            <a:r>
-              <a:rPr lang="en-US" altLang="zh-TW" dirty="0" smtClean="0"/>
-              <a:t> </a:t>
+              <a:t>-web </a:t>
             </a:r>
             <a:r>
               <a:rPr lang="zh-TW" altLang="en-US" dirty="0" smtClean="0"/>
@@ -7599,7 +7636,6 @@
               <a:rPr lang="en-US" altLang="zh-TW" sz="1800" dirty="0" smtClean="0"/>
               <a:t>)</a:t>
             </a:r>
-            <a:endParaRPr lang="en-US" altLang="zh-TW" sz="1800" dirty="0" smtClean="0"/>
           </a:p>
           <a:p>
             <a:pPr marL="624078" indent="-514350">
@@ -7656,11 +7692,7 @@
             </a:pPr>
             <a:r>
               <a:rPr lang="en-US" altLang="zh-TW" sz="1800" dirty="0" smtClean="0"/>
-              <a:t>Controller</a:t>
-            </a:r>
-            <a:r>
-              <a:rPr lang="en-US" altLang="zh-TW" sz="1800" dirty="0" smtClean="0"/>
-              <a:t>(</a:t>
+              <a:t>Controller(</a:t>
             </a:r>
             <a:r>
               <a:rPr lang="zh-TW" altLang="en-US" sz="1800" dirty="0" smtClean="0"/>
